--- a/PresentacionSpeakly.pptx
+++ b/PresentacionSpeakly.pptx
@@ -6,6 +6,8 @@
   </p:sldMasterIdLst>
   <p:sldIdLst>
     <p:sldId id="256" r:id="rId2"/>
+    <p:sldId id="257" r:id="rId3"/>
+    <p:sldId id="258" r:id="rId4"/>
   </p:sldIdLst>
   <p:sldSz cx="12192000" cy="6858000"/>
   <p:notesSz cx="6858000" cy="9144000"/>
@@ -104,6 +106,11 @@
       </a:defRPr>
     </a:lvl9pPr>
   </p:defaultTextStyle>
+  <p:extLst>
+    <p:ext uri="{EFAFB233-063F-42B5-8137-9DF3F51BA10A}">
+      <p15:sldGuideLst xmlns:p15="http://schemas.microsoft.com/office/powerpoint/2012/main"/>
+    </p:ext>
+  </p:extLst>
 </p:presentation>
 </file>
 
@@ -3344,58 +3351,399 @@
       </p:grpSpPr>
       <p:sp>
         <p:nvSpPr>
-          <p:cNvPr id="2" name="Título 1">
-            <a:extLst>
-              <a:ext uri="{FF2B5EF4-FFF2-40B4-BE49-F238E27FC236}">
-                <a16:creationId xmlns:a16="http://schemas.microsoft.com/office/drawing/2014/main" id="{8DC414D5-D65F-40D0-A300-426192B01105}"/>
-              </a:ext>
-            </a:extLst>
-          </p:cNvPr>
-          <p:cNvSpPr>
-            <a:spLocks noGrp="1"/>
-          </p:cNvSpPr>
-          <p:nvPr>
-            <p:ph type="ctrTitle"/>
-          </p:nvPr>
-        </p:nvSpPr>
-        <p:spPr/>
-        <p:txBody>
-          <a:bodyPr/>
-          <a:lstStyle/>
-          <a:p>
-            <a:endParaRPr lang="es-CO"/>
-          </a:p>
-        </p:txBody>
-      </p:sp>
-      <p:sp>
-        <p:nvSpPr>
-          <p:cNvPr id="3" name="Subtítulo 2">
-            <a:extLst>
-              <a:ext uri="{FF2B5EF4-FFF2-40B4-BE49-F238E27FC236}">
-                <a16:creationId xmlns:a16="http://schemas.microsoft.com/office/drawing/2014/main" id="{B96C08D2-4045-4A00-9FAA-B75352DE63D2}"/>
-              </a:ext>
-            </a:extLst>
-          </p:cNvPr>
-          <p:cNvSpPr>
-            <a:spLocks noGrp="1"/>
-          </p:cNvSpPr>
-          <p:nvPr>
-            <p:ph type="subTitle" idx="1"/>
-          </p:nvPr>
-        </p:nvSpPr>
-        <p:spPr/>
-        <p:txBody>
-          <a:bodyPr/>
-          <a:lstStyle/>
-          <a:p>
-            <a:endParaRPr lang="es-CO"/>
-          </a:p>
-        </p:txBody>
-      </p:sp>
+          <p:cNvPr id="4" name="CuadroTexto 3">
+            <a:extLst>
+              <a:ext uri="{FF2B5EF4-FFF2-40B4-BE49-F238E27FC236}">
+                <a16:creationId xmlns:a16="http://schemas.microsoft.com/office/drawing/2014/main" id="{580BA52C-53A2-47B9-9267-712C667DE98A}"/>
+              </a:ext>
+            </a:extLst>
+          </p:cNvPr>
+          <p:cNvSpPr txBox="1"/>
+          <p:nvPr/>
+        </p:nvSpPr>
+        <p:spPr>
+          <a:xfrm>
+            <a:off x="355107" y="133165"/>
+            <a:ext cx="7004481" cy="923330"/>
+          </a:xfrm>
+          <a:prstGeom prst="rect">
+            <a:avLst/>
+          </a:prstGeom>
+          <a:noFill/>
+        </p:spPr>
+        <p:txBody>
+          <a:bodyPr wrap="square" rtlCol="0">
+            <a:spAutoFit/>
+          </a:bodyPr>
+          <a:lstStyle/>
+          <a:p>
+            <a:r>
+              <a:rPr lang="es-CO" sz="3600" b="1" dirty="0"/>
+              <a:t>Problemática</a:t>
+            </a:r>
+            <a:br>
+              <a:rPr lang="es-CO" dirty="0"/>
+            </a:br>
+            <a:r>
+              <a:rPr lang="es-CO" sz="1600" dirty="0"/>
+              <a:t>Soluciones y principales pilares</a:t>
+            </a:r>
+            <a:endParaRPr lang="es-CO" dirty="0"/>
+          </a:p>
+        </p:txBody>
+      </p:sp>
+      <p:pic>
+        <p:nvPicPr>
+          <p:cNvPr id="8" name="Imagen 7" descr="Interfaz de usuario gráfica, Texto, Aplicación&#10;&#10;Descripción generada automáticamente">
+            <a:extLst>
+              <a:ext uri="{FF2B5EF4-FFF2-40B4-BE49-F238E27FC236}">
+                <a16:creationId xmlns:a16="http://schemas.microsoft.com/office/drawing/2014/main" id="{06241BFF-A22D-4268-B358-7FDFF7BD76AF}"/>
+              </a:ext>
+            </a:extLst>
+          </p:cNvPr>
+          <p:cNvPicPr>
+            <a:picLocks noChangeAspect="1"/>
+          </p:cNvPicPr>
+          <p:nvPr/>
+        </p:nvPicPr>
+        <p:blipFill>
+          <a:blip r:embed="rId2">
+            <a:extLst>
+              <a:ext uri="{28A0092B-C50C-407E-A947-70E740481C1C}">
+                <a14:useLocalDpi xmlns:a14="http://schemas.microsoft.com/office/drawing/2010/main" val="0"/>
+              </a:ext>
+            </a:extLst>
+          </a:blip>
+          <a:stretch>
+            <a:fillRect/>
+          </a:stretch>
+        </p:blipFill>
+        <p:spPr>
+          <a:xfrm>
+            <a:off x="510680" y="1229510"/>
+            <a:ext cx="5352920" cy="4994007"/>
+          </a:xfrm>
+          <a:prstGeom prst="rect">
+            <a:avLst/>
+          </a:prstGeom>
+        </p:spPr>
+      </p:pic>
+      <p:pic>
+        <p:nvPicPr>
+          <p:cNvPr id="1030" name="Picture 6" descr="Tips básicos para un formulario de registro insuperable">
+            <a:extLst>
+              <a:ext uri="{FF2B5EF4-FFF2-40B4-BE49-F238E27FC236}">
+                <a16:creationId xmlns:a16="http://schemas.microsoft.com/office/drawing/2014/main" id="{D6D5507B-D7D5-4D08-88AE-CC3785DBC547}"/>
+              </a:ext>
+            </a:extLst>
+          </p:cNvPr>
+          <p:cNvPicPr>
+            <a:picLocks noChangeAspect="1" noChangeArrowheads="1"/>
+          </p:cNvPicPr>
+          <p:nvPr/>
+        </p:nvPicPr>
+        <p:blipFill>
+          <a:blip r:embed="rId3">
+            <a:extLst>
+              <a:ext uri="{28A0092B-C50C-407E-A947-70E740481C1C}">
+                <a14:useLocalDpi xmlns:a14="http://schemas.microsoft.com/office/drawing/2010/main" val="0"/>
+              </a:ext>
+            </a:extLst>
+          </a:blip>
+          <a:srcRect/>
+          <a:stretch>
+            <a:fillRect/>
+          </a:stretch>
+        </p:blipFill>
+        <p:spPr bwMode="auto">
+          <a:xfrm>
+            <a:off x="5965673" y="909550"/>
+            <a:ext cx="5871220" cy="5612673"/>
+          </a:xfrm>
+          <a:prstGeom prst="rect">
+            <a:avLst/>
+          </a:prstGeom>
+          <a:noFill/>
+          <a:extLst>
+            <a:ext uri="{909E8E84-426E-40DD-AFC4-6F175D3DCCD1}">
+              <a14:hiddenFill xmlns:a14="http://schemas.microsoft.com/office/drawing/2010/main">
+                <a:solidFill>
+                  <a:srgbClr val="FFFFFF"/>
+                </a:solidFill>
+              </a14:hiddenFill>
+            </a:ext>
+          </a:extLst>
+        </p:spPr>
+      </p:pic>
     </p:spTree>
     <p:extLst>
       <p:ext uri="{BB962C8B-B14F-4D97-AF65-F5344CB8AC3E}">
         <p14:creationId xmlns:p14="http://schemas.microsoft.com/office/powerpoint/2010/main" val="26705024"/>
+      </p:ext>
+    </p:extLst>
+  </p:cSld>
+  <p:clrMapOvr>
+    <a:masterClrMapping/>
+  </p:clrMapOvr>
+</p:sld>
+</file>
+
+<file path=ppt/slides/slide2.xml><?xml version="1.0" encoding="utf-8"?>
+<p:sld xmlns:a="http://schemas.openxmlformats.org/drawingml/2006/main" xmlns:r="http://schemas.openxmlformats.org/officeDocument/2006/relationships" xmlns:p="http://schemas.openxmlformats.org/presentationml/2006/main">
+  <p:cSld>
+    <p:spTree>
+      <p:nvGrpSpPr>
+        <p:cNvPr id="1" name=""/>
+        <p:cNvGrpSpPr/>
+        <p:nvPr/>
+      </p:nvGrpSpPr>
+      <p:grpSpPr>
+        <a:xfrm>
+          <a:off x="0" y="0"/>
+          <a:ext cx="0" cy="0"/>
+          <a:chOff x="0" y="0"/>
+          <a:chExt cx="0" cy="0"/>
+        </a:xfrm>
+      </p:grpSpPr>
+      <p:sp>
+        <p:nvSpPr>
+          <p:cNvPr id="4" name="CuadroTexto 3">
+            <a:extLst>
+              <a:ext uri="{FF2B5EF4-FFF2-40B4-BE49-F238E27FC236}">
+                <a16:creationId xmlns:a16="http://schemas.microsoft.com/office/drawing/2014/main" id="{580BA52C-53A2-47B9-9267-712C667DE98A}"/>
+              </a:ext>
+            </a:extLst>
+          </p:cNvPr>
+          <p:cNvSpPr txBox="1"/>
+          <p:nvPr/>
+        </p:nvSpPr>
+        <p:spPr>
+          <a:xfrm>
+            <a:off x="355107" y="133165"/>
+            <a:ext cx="7004481" cy="923330"/>
+          </a:xfrm>
+          <a:prstGeom prst="rect">
+            <a:avLst/>
+          </a:prstGeom>
+          <a:noFill/>
+        </p:spPr>
+        <p:txBody>
+          <a:bodyPr wrap="square" rtlCol="0">
+            <a:spAutoFit/>
+          </a:bodyPr>
+          <a:lstStyle/>
+          <a:p>
+            <a:r>
+              <a:rPr lang="es-CO" sz="3600" b="1" dirty="0"/>
+              <a:t>Speakly y Maeve</a:t>
+            </a:r>
+            <a:br>
+              <a:rPr lang="es-CO" dirty="0"/>
+            </a:br>
+            <a:r>
+              <a:rPr lang="es-CO" sz="1600" dirty="0"/>
+              <a:t>Rosto e imagen de soluciones divertidas y amigables</a:t>
+            </a:r>
+            <a:endParaRPr lang="es-CO" dirty="0"/>
+          </a:p>
+        </p:txBody>
+      </p:sp>
+      <p:pic>
+        <p:nvPicPr>
+          <p:cNvPr id="2" name="Imagen 1">
+            <a:extLst>
+              <a:ext uri="{FF2B5EF4-FFF2-40B4-BE49-F238E27FC236}">
+                <a16:creationId xmlns:a16="http://schemas.microsoft.com/office/drawing/2014/main" id="{ED1B7791-0931-42D2-B3D7-37F6E61A7B60}"/>
+              </a:ext>
+            </a:extLst>
+          </p:cNvPr>
+          <p:cNvPicPr>
+            <a:picLocks noChangeAspect="1"/>
+          </p:cNvPicPr>
+          <p:nvPr/>
+        </p:nvPicPr>
+        <p:blipFill>
+          <a:blip r:embed="rId2"/>
+          <a:stretch>
+            <a:fillRect/>
+          </a:stretch>
+        </p:blipFill>
+        <p:spPr>
+          <a:xfrm>
+            <a:off x="1280614" y="976543"/>
+            <a:ext cx="3676502" cy="3783891"/>
+          </a:xfrm>
+          <a:prstGeom prst="rect">
+            <a:avLst/>
+          </a:prstGeom>
+        </p:spPr>
+      </p:pic>
+      <p:pic>
+        <p:nvPicPr>
+          <p:cNvPr id="3" name="Imagen 2">
+            <a:extLst>
+              <a:ext uri="{FF2B5EF4-FFF2-40B4-BE49-F238E27FC236}">
+                <a16:creationId xmlns:a16="http://schemas.microsoft.com/office/drawing/2014/main" id="{289729A6-476D-46E1-A54F-F62E6DBC0CD1}"/>
+              </a:ext>
+            </a:extLst>
+          </p:cNvPr>
+          <p:cNvPicPr>
+            <a:picLocks noChangeAspect="1"/>
+          </p:cNvPicPr>
+          <p:nvPr/>
+        </p:nvPicPr>
+        <p:blipFill>
+          <a:blip r:embed="rId3"/>
+          <a:stretch>
+            <a:fillRect/>
+          </a:stretch>
+        </p:blipFill>
+        <p:spPr>
+          <a:xfrm>
+            <a:off x="141731" y="3548167"/>
+            <a:ext cx="5954269" cy="3048188"/>
+          </a:xfrm>
+          <a:prstGeom prst="rect">
+            <a:avLst/>
+          </a:prstGeom>
+        </p:spPr>
+      </p:pic>
+      <p:pic>
+        <p:nvPicPr>
+          <p:cNvPr id="5" name="Imagen 4">
+            <a:extLst>
+              <a:ext uri="{FF2B5EF4-FFF2-40B4-BE49-F238E27FC236}">
+                <a16:creationId xmlns:a16="http://schemas.microsoft.com/office/drawing/2014/main" id="{FBB2D4C1-6A09-445A-95D3-BF6CA1A0981F}"/>
+              </a:ext>
+            </a:extLst>
+          </p:cNvPr>
+          <p:cNvPicPr>
+            <a:picLocks noChangeAspect="1"/>
+          </p:cNvPicPr>
+          <p:nvPr/>
+        </p:nvPicPr>
+        <p:blipFill rotWithShape="1">
+          <a:blip r:embed="rId4"/>
+          <a:srcRect r="13298"/>
+          <a:stretch/>
+        </p:blipFill>
+        <p:spPr>
+          <a:xfrm>
+            <a:off x="6667130" y="1459843"/>
+            <a:ext cx="5196708" cy="4603853"/>
+          </a:xfrm>
+          <a:prstGeom prst="rect">
+            <a:avLst/>
+          </a:prstGeom>
+        </p:spPr>
+      </p:pic>
+    </p:spTree>
+    <p:extLst>
+      <p:ext uri="{BB962C8B-B14F-4D97-AF65-F5344CB8AC3E}">
+        <p14:creationId xmlns:p14="http://schemas.microsoft.com/office/powerpoint/2010/main" val="32856097"/>
+      </p:ext>
+    </p:extLst>
+  </p:cSld>
+  <p:clrMapOvr>
+    <a:masterClrMapping/>
+  </p:clrMapOvr>
+</p:sld>
+</file>
+
+<file path=ppt/slides/slide3.xml><?xml version="1.0" encoding="utf-8"?>
+<p:sld xmlns:a="http://schemas.openxmlformats.org/drawingml/2006/main" xmlns:r="http://schemas.openxmlformats.org/officeDocument/2006/relationships" xmlns:p="http://schemas.openxmlformats.org/presentationml/2006/main">
+  <p:cSld>
+    <p:spTree>
+      <p:nvGrpSpPr>
+        <p:cNvPr id="1" name=""/>
+        <p:cNvGrpSpPr/>
+        <p:nvPr/>
+      </p:nvGrpSpPr>
+      <p:grpSpPr>
+        <a:xfrm>
+          <a:off x="0" y="0"/>
+          <a:ext cx="0" cy="0"/>
+          <a:chOff x="0" y="0"/>
+          <a:chExt cx="0" cy="0"/>
+        </a:xfrm>
+      </p:grpSpPr>
+      <p:sp>
+        <p:nvSpPr>
+          <p:cNvPr id="4" name="CuadroTexto 3">
+            <a:extLst>
+              <a:ext uri="{FF2B5EF4-FFF2-40B4-BE49-F238E27FC236}">
+                <a16:creationId xmlns:a16="http://schemas.microsoft.com/office/drawing/2014/main" id="{580BA52C-53A2-47B9-9267-712C667DE98A}"/>
+              </a:ext>
+            </a:extLst>
+          </p:cNvPr>
+          <p:cNvSpPr txBox="1"/>
+          <p:nvPr/>
+        </p:nvSpPr>
+        <p:spPr>
+          <a:xfrm>
+            <a:off x="355107" y="133165"/>
+            <a:ext cx="7004481" cy="923330"/>
+          </a:xfrm>
+          <a:prstGeom prst="rect">
+            <a:avLst/>
+          </a:prstGeom>
+          <a:noFill/>
+        </p:spPr>
+        <p:txBody>
+          <a:bodyPr wrap="square" rtlCol="0">
+            <a:spAutoFit/>
+          </a:bodyPr>
+          <a:lstStyle/>
+          <a:p>
+            <a:r>
+              <a:rPr lang="es-CO" sz="3600" b="1" dirty="0"/>
+              <a:t>Solución propuesta</a:t>
+            </a:r>
+            <a:br>
+              <a:rPr lang="es-CO" dirty="0"/>
+            </a:br>
+            <a:r>
+              <a:rPr lang="es-CO" sz="1600" dirty="0"/>
+              <a:t>Basada en usabilidad y conceptos de UX</a:t>
+            </a:r>
+            <a:endParaRPr lang="es-CO" dirty="0"/>
+          </a:p>
+        </p:txBody>
+      </p:sp>
+      <p:pic>
+        <p:nvPicPr>
+          <p:cNvPr id="5" name="Imagen 4">
+            <a:extLst>
+              <a:ext uri="{FF2B5EF4-FFF2-40B4-BE49-F238E27FC236}">
+                <a16:creationId xmlns:a16="http://schemas.microsoft.com/office/drawing/2014/main" id="{70541054-2DF0-4B1F-B054-38ED8EC8FB44}"/>
+              </a:ext>
+            </a:extLst>
+          </p:cNvPr>
+          <p:cNvPicPr>
+            <a:picLocks noChangeAspect="1"/>
+          </p:cNvPicPr>
+          <p:nvPr/>
+        </p:nvPicPr>
+        <p:blipFill>
+          <a:blip r:embed="rId2"/>
+          <a:stretch>
+            <a:fillRect/>
+          </a:stretch>
+        </p:blipFill>
+        <p:spPr>
+          <a:xfrm>
+            <a:off x="1659391" y="1240485"/>
+            <a:ext cx="8494127" cy="4996111"/>
+          </a:xfrm>
+          <a:prstGeom prst="rect">
+            <a:avLst/>
+          </a:prstGeom>
+        </p:spPr>
+      </p:pic>
+    </p:spTree>
+    <p:extLst>
+      <p:ext uri="{BB962C8B-B14F-4D97-AF65-F5344CB8AC3E}">
+        <p14:creationId xmlns:p14="http://schemas.microsoft.com/office/powerpoint/2010/main" val="2502505613"/>
       </p:ext>
     </p:extLst>
   </p:cSld>

--- a/PresentacionSpeakly.pptx
+++ b/PresentacionSpeakly.pptx
@@ -8,6 +8,12 @@
     <p:sldId id="256" r:id="rId2"/>
     <p:sldId id="257" r:id="rId3"/>
     <p:sldId id="258" r:id="rId4"/>
+    <p:sldId id="264" r:id="rId5"/>
+    <p:sldId id="259" r:id="rId6"/>
+    <p:sldId id="260" r:id="rId7"/>
+    <p:sldId id="261" r:id="rId8"/>
+    <p:sldId id="262" r:id="rId9"/>
+    <p:sldId id="263" r:id="rId10"/>
   </p:sldIdLst>
   <p:sldSz cx="12192000" cy="6858000"/>
   <p:notesSz cx="6858000" cy="9144000"/>
@@ -3753,6 +3759,914 @@
 </p:sld>
 </file>
 
+<file path=ppt/slides/slide4.xml><?xml version="1.0" encoding="utf-8"?>
+<p:sld xmlns:a="http://schemas.openxmlformats.org/drawingml/2006/main" xmlns:r="http://schemas.openxmlformats.org/officeDocument/2006/relationships" xmlns:p="http://schemas.openxmlformats.org/presentationml/2006/main">
+  <p:cSld>
+    <p:spTree>
+      <p:nvGrpSpPr>
+        <p:cNvPr id="1" name=""/>
+        <p:cNvGrpSpPr/>
+        <p:nvPr/>
+      </p:nvGrpSpPr>
+      <p:grpSpPr>
+        <a:xfrm>
+          <a:off x="0" y="0"/>
+          <a:ext cx="0" cy="0"/>
+          <a:chOff x="0" y="0"/>
+          <a:chExt cx="0" cy="0"/>
+        </a:xfrm>
+      </p:grpSpPr>
+      <p:sp>
+        <p:nvSpPr>
+          <p:cNvPr id="4" name="CuadroTexto 3">
+            <a:extLst>
+              <a:ext uri="{FF2B5EF4-FFF2-40B4-BE49-F238E27FC236}">
+                <a16:creationId xmlns:a16="http://schemas.microsoft.com/office/drawing/2014/main" id="{580BA52C-53A2-47B9-9267-712C667DE98A}"/>
+              </a:ext>
+            </a:extLst>
+          </p:cNvPr>
+          <p:cNvSpPr txBox="1"/>
+          <p:nvPr/>
+        </p:nvSpPr>
+        <p:spPr>
+          <a:xfrm>
+            <a:off x="355107" y="133165"/>
+            <a:ext cx="7004481" cy="923330"/>
+          </a:xfrm>
+          <a:prstGeom prst="rect">
+            <a:avLst/>
+          </a:prstGeom>
+          <a:noFill/>
+        </p:spPr>
+        <p:txBody>
+          <a:bodyPr wrap="square" rtlCol="0">
+            <a:spAutoFit/>
+          </a:bodyPr>
+          <a:lstStyle/>
+          <a:p>
+            <a:r>
+              <a:rPr lang="es-CO" sz="3600" b="1" dirty="0"/>
+              <a:t>Solución propuesta</a:t>
+            </a:r>
+            <a:br>
+              <a:rPr lang="es-CO" dirty="0"/>
+            </a:br>
+            <a:r>
+              <a:rPr lang="es-CO" sz="1600" dirty="0"/>
+              <a:t>Basada en usabilidad y conceptos de UX</a:t>
+            </a:r>
+            <a:endParaRPr lang="es-CO" dirty="0"/>
+          </a:p>
+        </p:txBody>
+      </p:sp>
+      <p:pic>
+        <p:nvPicPr>
+          <p:cNvPr id="2" name="Imagen 1">
+            <a:extLst>
+              <a:ext uri="{FF2B5EF4-FFF2-40B4-BE49-F238E27FC236}">
+                <a16:creationId xmlns:a16="http://schemas.microsoft.com/office/drawing/2014/main" id="{C0AAC6F8-9B3D-4754-84F6-342D29817567}"/>
+              </a:ext>
+            </a:extLst>
+          </p:cNvPr>
+          <p:cNvPicPr>
+            <a:picLocks noChangeAspect="1"/>
+          </p:cNvPicPr>
+          <p:nvPr/>
+        </p:nvPicPr>
+        <p:blipFill>
+          <a:blip r:embed="rId2"/>
+          <a:stretch>
+            <a:fillRect/>
+          </a:stretch>
+        </p:blipFill>
+        <p:spPr>
+          <a:xfrm>
+            <a:off x="142504" y="3284125"/>
+            <a:ext cx="4989789" cy="3117498"/>
+          </a:xfrm>
+          <a:prstGeom prst="rect">
+            <a:avLst/>
+          </a:prstGeom>
+        </p:spPr>
+      </p:pic>
+      <p:pic>
+        <p:nvPicPr>
+          <p:cNvPr id="6" name="Imagen 5">
+            <a:extLst>
+              <a:ext uri="{FF2B5EF4-FFF2-40B4-BE49-F238E27FC236}">
+                <a16:creationId xmlns:a16="http://schemas.microsoft.com/office/drawing/2014/main" id="{E2DC1D5E-921E-4EF2-AA49-97C4AB6EBF34}"/>
+              </a:ext>
+            </a:extLst>
+          </p:cNvPr>
+          <p:cNvPicPr>
+            <a:picLocks noChangeAspect="1"/>
+          </p:cNvPicPr>
+          <p:nvPr/>
+        </p:nvPicPr>
+        <p:blipFill>
+          <a:blip r:embed="rId3"/>
+          <a:stretch>
+            <a:fillRect/>
+          </a:stretch>
+        </p:blipFill>
+        <p:spPr>
+          <a:xfrm>
+            <a:off x="5379867" y="3235287"/>
+            <a:ext cx="6448241" cy="3215173"/>
+          </a:xfrm>
+          <a:prstGeom prst="rect">
+            <a:avLst/>
+          </a:prstGeom>
+        </p:spPr>
+      </p:pic>
+      <p:pic>
+        <p:nvPicPr>
+          <p:cNvPr id="7" name="Imagen 6">
+            <a:extLst>
+              <a:ext uri="{FF2B5EF4-FFF2-40B4-BE49-F238E27FC236}">
+                <a16:creationId xmlns:a16="http://schemas.microsoft.com/office/drawing/2014/main" id="{CEA6E70A-2650-4070-BA0E-D4A8E3912860}"/>
+              </a:ext>
+            </a:extLst>
+          </p:cNvPr>
+          <p:cNvPicPr>
+            <a:picLocks noChangeAspect="1"/>
+          </p:cNvPicPr>
+          <p:nvPr/>
+        </p:nvPicPr>
+        <p:blipFill>
+          <a:blip r:embed="rId4"/>
+          <a:stretch>
+            <a:fillRect/>
+          </a:stretch>
+        </p:blipFill>
+        <p:spPr>
+          <a:xfrm>
+            <a:off x="1537594" y="1120875"/>
+            <a:ext cx="7899369" cy="2131125"/>
+          </a:xfrm>
+          <a:prstGeom prst="rect">
+            <a:avLst/>
+          </a:prstGeom>
+        </p:spPr>
+      </p:pic>
+    </p:spTree>
+    <p:extLst>
+      <p:ext uri="{BB962C8B-B14F-4D97-AF65-F5344CB8AC3E}">
+        <p14:creationId xmlns:p14="http://schemas.microsoft.com/office/powerpoint/2010/main" val="1661287617"/>
+      </p:ext>
+    </p:extLst>
+  </p:cSld>
+  <p:clrMapOvr>
+    <a:masterClrMapping/>
+  </p:clrMapOvr>
+</p:sld>
+</file>
+
+<file path=ppt/slides/slide5.xml><?xml version="1.0" encoding="utf-8"?>
+<p:sld xmlns:a="http://schemas.openxmlformats.org/drawingml/2006/main" xmlns:r="http://schemas.openxmlformats.org/officeDocument/2006/relationships" xmlns:p="http://schemas.openxmlformats.org/presentationml/2006/main">
+  <p:cSld>
+    <p:spTree>
+      <p:nvGrpSpPr>
+        <p:cNvPr id="1" name=""/>
+        <p:cNvGrpSpPr/>
+        <p:nvPr/>
+      </p:nvGrpSpPr>
+      <p:grpSpPr>
+        <a:xfrm>
+          <a:off x="0" y="0"/>
+          <a:ext cx="0" cy="0"/>
+          <a:chOff x="0" y="0"/>
+          <a:chExt cx="0" cy="0"/>
+        </a:xfrm>
+      </p:grpSpPr>
+      <p:sp>
+        <p:nvSpPr>
+          <p:cNvPr id="4" name="CuadroTexto 3">
+            <a:extLst>
+              <a:ext uri="{FF2B5EF4-FFF2-40B4-BE49-F238E27FC236}">
+                <a16:creationId xmlns:a16="http://schemas.microsoft.com/office/drawing/2014/main" id="{580BA52C-53A2-47B9-9267-712C667DE98A}"/>
+              </a:ext>
+            </a:extLst>
+          </p:cNvPr>
+          <p:cNvSpPr txBox="1"/>
+          <p:nvPr/>
+        </p:nvSpPr>
+        <p:spPr>
+          <a:xfrm>
+            <a:off x="355107" y="133165"/>
+            <a:ext cx="7004481" cy="892552"/>
+          </a:xfrm>
+          <a:prstGeom prst="rect">
+            <a:avLst/>
+          </a:prstGeom>
+          <a:noFill/>
+        </p:spPr>
+        <p:txBody>
+          <a:bodyPr wrap="square" rtlCol="0">
+            <a:spAutoFit/>
+          </a:bodyPr>
+          <a:lstStyle/>
+          <a:p>
+            <a:r>
+              <a:rPr lang="es-CO" sz="3600" b="1" dirty="0"/>
+              <a:t>Sencilla identificación</a:t>
+            </a:r>
+            <a:br>
+              <a:rPr lang="es-CO" dirty="0"/>
+            </a:br>
+            <a:r>
+              <a:rPr lang="es-CO" sz="1600" dirty="0"/>
+              <a:t>Piezas no omisibles</a:t>
+            </a:r>
+            <a:endParaRPr lang="es-CO" dirty="0"/>
+          </a:p>
+        </p:txBody>
+      </p:sp>
+      <p:pic>
+        <p:nvPicPr>
+          <p:cNvPr id="2" name="Imagen 1">
+            <a:extLst>
+              <a:ext uri="{FF2B5EF4-FFF2-40B4-BE49-F238E27FC236}">
+                <a16:creationId xmlns:a16="http://schemas.microsoft.com/office/drawing/2014/main" id="{4C1E90C9-20BA-4974-954E-4A3BCC806BD7}"/>
+              </a:ext>
+            </a:extLst>
+          </p:cNvPr>
+          <p:cNvPicPr>
+            <a:picLocks noChangeAspect="1"/>
+          </p:cNvPicPr>
+          <p:nvPr/>
+        </p:nvPicPr>
+        <p:blipFill>
+          <a:blip r:embed="rId2"/>
+          <a:stretch>
+            <a:fillRect/>
+          </a:stretch>
+        </p:blipFill>
+        <p:spPr>
+          <a:xfrm>
+            <a:off x="1269764" y="1396800"/>
+            <a:ext cx="4219575" cy="4926202"/>
+          </a:xfrm>
+          <a:prstGeom prst="rect">
+            <a:avLst/>
+          </a:prstGeom>
+        </p:spPr>
+      </p:pic>
+      <p:pic>
+        <p:nvPicPr>
+          <p:cNvPr id="3" name="Imagen 2">
+            <a:extLst>
+              <a:ext uri="{FF2B5EF4-FFF2-40B4-BE49-F238E27FC236}">
+                <a16:creationId xmlns:a16="http://schemas.microsoft.com/office/drawing/2014/main" id="{B05D6FC0-28C5-4A68-A69C-F766592304C0}"/>
+              </a:ext>
+            </a:extLst>
+          </p:cNvPr>
+          <p:cNvPicPr>
+            <a:picLocks noChangeAspect="1"/>
+          </p:cNvPicPr>
+          <p:nvPr/>
+        </p:nvPicPr>
+        <p:blipFill>
+          <a:blip r:embed="rId3"/>
+          <a:stretch>
+            <a:fillRect/>
+          </a:stretch>
+        </p:blipFill>
+        <p:spPr>
+          <a:xfrm>
+            <a:off x="6276651" y="1396800"/>
+            <a:ext cx="4313594" cy="4917302"/>
+          </a:xfrm>
+          <a:prstGeom prst="rect">
+            <a:avLst/>
+          </a:prstGeom>
+        </p:spPr>
+      </p:pic>
+    </p:spTree>
+    <p:extLst>
+      <p:ext uri="{BB962C8B-B14F-4D97-AF65-F5344CB8AC3E}">
+        <p14:creationId xmlns:p14="http://schemas.microsoft.com/office/powerpoint/2010/main" val="2408235323"/>
+      </p:ext>
+    </p:extLst>
+  </p:cSld>
+  <p:clrMapOvr>
+    <a:masterClrMapping/>
+  </p:clrMapOvr>
+</p:sld>
+</file>
+
+<file path=ppt/slides/slide6.xml><?xml version="1.0" encoding="utf-8"?>
+<p:sld xmlns:a="http://schemas.openxmlformats.org/drawingml/2006/main" xmlns:r="http://schemas.openxmlformats.org/officeDocument/2006/relationships" xmlns:p="http://schemas.openxmlformats.org/presentationml/2006/main">
+  <p:cSld>
+    <p:spTree>
+      <p:nvGrpSpPr>
+        <p:cNvPr id="1" name=""/>
+        <p:cNvGrpSpPr/>
+        <p:nvPr/>
+      </p:nvGrpSpPr>
+      <p:grpSpPr>
+        <a:xfrm>
+          <a:off x="0" y="0"/>
+          <a:ext cx="0" cy="0"/>
+          <a:chOff x="0" y="0"/>
+          <a:chExt cx="0" cy="0"/>
+        </a:xfrm>
+      </p:grpSpPr>
+      <p:sp>
+        <p:nvSpPr>
+          <p:cNvPr id="4" name="CuadroTexto 3">
+            <a:extLst>
+              <a:ext uri="{FF2B5EF4-FFF2-40B4-BE49-F238E27FC236}">
+                <a16:creationId xmlns:a16="http://schemas.microsoft.com/office/drawing/2014/main" id="{580BA52C-53A2-47B9-9267-712C667DE98A}"/>
+              </a:ext>
+            </a:extLst>
+          </p:cNvPr>
+          <p:cNvSpPr txBox="1"/>
+          <p:nvPr/>
+        </p:nvSpPr>
+        <p:spPr>
+          <a:xfrm>
+            <a:off x="355107" y="133165"/>
+            <a:ext cx="7004481" cy="892552"/>
+          </a:xfrm>
+          <a:prstGeom prst="rect">
+            <a:avLst/>
+          </a:prstGeom>
+          <a:noFill/>
+        </p:spPr>
+        <p:txBody>
+          <a:bodyPr wrap="square" rtlCol="0">
+            <a:spAutoFit/>
+          </a:bodyPr>
+          <a:lstStyle/>
+          <a:p>
+            <a:r>
+              <a:rPr lang="es-CO" sz="3600" b="1" dirty="0"/>
+              <a:t>Envió de datos intuitivo</a:t>
+            </a:r>
+            <a:br>
+              <a:rPr lang="es-CO" dirty="0"/>
+            </a:br>
+            <a:r>
+              <a:rPr lang="es-CO" sz="1600" dirty="0"/>
+              <a:t>No requiere de mayor esfuerzo</a:t>
+            </a:r>
+            <a:endParaRPr lang="es-CO" dirty="0"/>
+          </a:p>
+        </p:txBody>
+      </p:sp>
+      <p:pic>
+        <p:nvPicPr>
+          <p:cNvPr id="5" name="Imagen 4">
+            <a:extLst>
+              <a:ext uri="{FF2B5EF4-FFF2-40B4-BE49-F238E27FC236}">
+                <a16:creationId xmlns:a16="http://schemas.microsoft.com/office/drawing/2014/main" id="{CB77A2E6-0397-4396-BABE-406CF78861D5}"/>
+              </a:ext>
+            </a:extLst>
+          </p:cNvPr>
+          <p:cNvPicPr>
+            <a:picLocks noChangeAspect="1"/>
+          </p:cNvPicPr>
+          <p:nvPr/>
+        </p:nvPicPr>
+        <p:blipFill>
+          <a:blip r:embed="rId2"/>
+          <a:stretch>
+            <a:fillRect/>
+          </a:stretch>
+        </p:blipFill>
+        <p:spPr>
+          <a:xfrm>
+            <a:off x="514254" y="1606402"/>
+            <a:ext cx="5669261" cy="4358626"/>
+          </a:xfrm>
+          <a:prstGeom prst="rect">
+            <a:avLst/>
+          </a:prstGeom>
+        </p:spPr>
+      </p:pic>
+      <p:pic>
+        <p:nvPicPr>
+          <p:cNvPr id="7" name="Imagen 6">
+            <a:extLst>
+              <a:ext uri="{FF2B5EF4-FFF2-40B4-BE49-F238E27FC236}">
+                <a16:creationId xmlns:a16="http://schemas.microsoft.com/office/drawing/2014/main" id="{A5C34E6B-86F3-44B7-8281-73E851F79467}"/>
+              </a:ext>
+            </a:extLst>
+          </p:cNvPr>
+          <p:cNvPicPr>
+            <a:picLocks noChangeAspect="1"/>
+          </p:cNvPicPr>
+          <p:nvPr/>
+        </p:nvPicPr>
+        <p:blipFill>
+          <a:blip r:embed="rId3"/>
+          <a:stretch>
+            <a:fillRect/>
+          </a:stretch>
+        </p:blipFill>
+        <p:spPr>
+          <a:xfrm>
+            <a:off x="6728862" y="1495174"/>
+            <a:ext cx="5063320" cy="4517627"/>
+          </a:xfrm>
+          <a:prstGeom prst="rect">
+            <a:avLst/>
+          </a:prstGeom>
+        </p:spPr>
+      </p:pic>
+    </p:spTree>
+    <p:extLst>
+      <p:ext uri="{BB962C8B-B14F-4D97-AF65-F5344CB8AC3E}">
+        <p14:creationId xmlns:p14="http://schemas.microsoft.com/office/powerpoint/2010/main" val="174791753"/>
+      </p:ext>
+    </p:extLst>
+  </p:cSld>
+  <p:clrMapOvr>
+    <a:masterClrMapping/>
+  </p:clrMapOvr>
+</p:sld>
+</file>
+
+<file path=ppt/slides/slide7.xml><?xml version="1.0" encoding="utf-8"?>
+<p:sld xmlns:a="http://schemas.openxmlformats.org/drawingml/2006/main" xmlns:r="http://schemas.openxmlformats.org/officeDocument/2006/relationships" xmlns:p="http://schemas.openxmlformats.org/presentationml/2006/main">
+  <p:cSld>
+    <p:spTree>
+      <p:nvGrpSpPr>
+        <p:cNvPr id="1" name=""/>
+        <p:cNvGrpSpPr/>
+        <p:nvPr/>
+      </p:nvGrpSpPr>
+      <p:grpSpPr>
+        <a:xfrm>
+          <a:off x="0" y="0"/>
+          <a:ext cx="0" cy="0"/>
+          <a:chOff x="0" y="0"/>
+          <a:chExt cx="0" cy="0"/>
+        </a:xfrm>
+      </p:grpSpPr>
+      <p:sp>
+        <p:nvSpPr>
+          <p:cNvPr id="4" name="CuadroTexto 3">
+            <a:extLst>
+              <a:ext uri="{FF2B5EF4-FFF2-40B4-BE49-F238E27FC236}">
+                <a16:creationId xmlns:a16="http://schemas.microsoft.com/office/drawing/2014/main" id="{580BA52C-53A2-47B9-9267-712C667DE98A}"/>
+              </a:ext>
+            </a:extLst>
+          </p:cNvPr>
+          <p:cNvSpPr txBox="1"/>
+          <p:nvPr/>
+        </p:nvSpPr>
+        <p:spPr>
+          <a:xfrm>
+            <a:off x="355107" y="133165"/>
+            <a:ext cx="9268287" cy="892552"/>
+          </a:xfrm>
+          <a:prstGeom prst="rect">
+            <a:avLst/>
+          </a:prstGeom>
+          <a:noFill/>
+        </p:spPr>
+        <p:txBody>
+          <a:bodyPr wrap="square" rtlCol="0">
+            <a:spAutoFit/>
+          </a:bodyPr>
+          <a:lstStyle/>
+          <a:p>
+            <a:r>
+              <a:rPr lang="es-CO" sz="3600" b="1" dirty="0"/>
+              <a:t>Multiplataforma para asegurar accesibilidad</a:t>
+            </a:r>
+            <a:br>
+              <a:rPr lang="es-CO" dirty="0"/>
+            </a:br>
+            <a:r>
+              <a:rPr lang="es-CO" sz="1600" dirty="0"/>
+              <a:t>Conceptos aplicados de PWA</a:t>
+            </a:r>
+            <a:endParaRPr lang="es-CO" dirty="0"/>
+          </a:p>
+        </p:txBody>
+      </p:sp>
+      <p:pic>
+        <p:nvPicPr>
+          <p:cNvPr id="2" name="Imagen 1">
+            <a:extLst>
+              <a:ext uri="{FF2B5EF4-FFF2-40B4-BE49-F238E27FC236}">
+                <a16:creationId xmlns:a16="http://schemas.microsoft.com/office/drawing/2014/main" id="{1662C252-52B1-434D-AE48-C0369D4014CB}"/>
+              </a:ext>
+            </a:extLst>
+          </p:cNvPr>
+          <p:cNvPicPr>
+            <a:picLocks noChangeAspect="1"/>
+          </p:cNvPicPr>
+          <p:nvPr/>
+        </p:nvPicPr>
+        <p:blipFill>
+          <a:blip r:embed="rId2"/>
+          <a:stretch>
+            <a:fillRect/>
+          </a:stretch>
+        </p:blipFill>
+        <p:spPr>
+          <a:xfrm>
+            <a:off x="1849515" y="1354769"/>
+            <a:ext cx="2924756" cy="4992765"/>
+          </a:xfrm>
+          <a:prstGeom prst="rect">
+            <a:avLst/>
+          </a:prstGeom>
+        </p:spPr>
+      </p:pic>
+      <p:pic>
+        <p:nvPicPr>
+          <p:cNvPr id="3" name="Imagen 2">
+            <a:extLst>
+              <a:ext uri="{FF2B5EF4-FFF2-40B4-BE49-F238E27FC236}">
+                <a16:creationId xmlns:a16="http://schemas.microsoft.com/office/drawing/2014/main" id="{1DB88917-F40D-4510-93ED-1436E957CF8D}"/>
+              </a:ext>
+            </a:extLst>
+          </p:cNvPr>
+          <p:cNvPicPr>
+            <a:picLocks noChangeAspect="1"/>
+          </p:cNvPicPr>
+          <p:nvPr/>
+        </p:nvPicPr>
+        <p:blipFill>
+          <a:blip r:embed="rId3"/>
+          <a:stretch>
+            <a:fillRect/>
+          </a:stretch>
+        </p:blipFill>
+        <p:spPr>
+          <a:xfrm>
+            <a:off x="7949289" y="1354769"/>
+            <a:ext cx="2988000" cy="5007322"/>
+          </a:xfrm>
+          <a:prstGeom prst="rect">
+            <a:avLst/>
+          </a:prstGeom>
+        </p:spPr>
+      </p:pic>
+      <p:pic>
+        <p:nvPicPr>
+          <p:cNvPr id="8" name="Imagen 7" descr="Interfaz de usuario gráfica, Aplicación&#10;&#10;Descripción generada automáticamente">
+            <a:extLst>
+              <a:ext uri="{FF2B5EF4-FFF2-40B4-BE49-F238E27FC236}">
+                <a16:creationId xmlns:a16="http://schemas.microsoft.com/office/drawing/2014/main" id="{5B30D856-996C-4C48-9454-2DCF826C941E}"/>
+              </a:ext>
+            </a:extLst>
+          </p:cNvPr>
+          <p:cNvPicPr>
+            <a:picLocks noChangeAspect="1"/>
+          </p:cNvPicPr>
+          <p:nvPr/>
+        </p:nvPicPr>
+        <p:blipFill>
+          <a:blip r:embed="rId4">
+            <a:extLst>
+              <a:ext uri="{28A0092B-C50C-407E-A947-70E740481C1C}">
+                <a14:useLocalDpi xmlns:a14="http://schemas.microsoft.com/office/drawing/2010/main" val="0"/>
+              </a:ext>
+            </a:extLst>
+          </a:blip>
+          <a:stretch>
+            <a:fillRect/>
+          </a:stretch>
+        </p:blipFill>
+        <p:spPr>
+          <a:xfrm>
+            <a:off x="5076913" y="1261091"/>
+            <a:ext cx="2452463" cy="5180120"/>
+          </a:xfrm>
+          <a:prstGeom prst="rect">
+            <a:avLst/>
+          </a:prstGeom>
+        </p:spPr>
+      </p:pic>
+    </p:spTree>
+    <p:extLst>
+      <p:ext uri="{BB962C8B-B14F-4D97-AF65-F5344CB8AC3E}">
+        <p14:creationId xmlns:p14="http://schemas.microsoft.com/office/powerpoint/2010/main" val="2616608143"/>
+      </p:ext>
+    </p:extLst>
+  </p:cSld>
+  <p:clrMapOvr>
+    <a:masterClrMapping/>
+  </p:clrMapOvr>
+</p:sld>
+</file>
+
+<file path=ppt/slides/slide8.xml><?xml version="1.0" encoding="utf-8"?>
+<p:sld xmlns:a="http://schemas.openxmlformats.org/drawingml/2006/main" xmlns:r="http://schemas.openxmlformats.org/officeDocument/2006/relationships" xmlns:p="http://schemas.openxmlformats.org/presentationml/2006/main">
+  <p:cSld>
+    <p:spTree>
+      <p:nvGrpSpPr>
+        <p:cNvPr id="1" name=""/>
+        <p:cNvGrpSpPr/>
+        <p:nvPr/>
+      </p:nvGrpSpPr>
+      <p:grpSpPr>
+        <a:xfrm>
+          <a:off x="0" y="0"/>
+          <a:ext cx="0" cy="0"/>
+          <a:chOff x="0" y="0"/>
+          <a:chExt cx="0" cy="0"/>
+        </a:xfrm>
+      </p:grpSpPr>
+      <p:sp>
+        <p:nvSpPr>
+          <p:cNvPr id="4" name="CuadroTexto 3">
+            <a:extLst>
+              <a:ext uri="{FF2B5EF4-FFF2-40B4-BE49-F238E27FC236}">
+                <a16:creationId xmlns:a16="http://schemas.microsoft.com/office/drawing/2014/main" id="{580BA52C-53A2-47B9-9267-712C667DE98A}"/>
+              </a:ext>
+            </a:extLst>
+          </p:cNvPr>
+          <p:cNvSpPr txBox="1"/>
+          <p:nvPr/>
+        </p:nvSpPr>
+        <p:spPr>
+          <a:xfrm>
+            <a:off x="355107" y="133165"/>
+            <a:ext cx="9268287" cy="892552"/>
+          </a:xfrm>
+          <a:prstGeom prst="rect">
+            <a:avLst/>
+          </a:prstGeom>
+          <a:noFill/>
+        </p:spPr>
+        <p:txBody>
+          <a:bodyPr wrap="square" rtlCol="0">
+            <a:spAutoFit/>
+          </a:bodyPr>
+          <a:lstStyle/>
+          <a:p>
+            <a:r>
+              <a:rPr lang="es-CO" sz="3600" b="1" dirty="0"/>
+              <a:t>Multiplataforma para asegurar accesibilidad</a:t>
+            </a:r>
+            <a:br>
+              <a:rPr lang="es-CO" dirty="0"/>
+            </a:br>
+            <a:r>
+              <a:rPr lang="es-CO" sz="1600" dirty="0"/>
+              <a:t>Conceptos aplicados de PWA</a:t>
+            </a:r>
+            <a:endParaRPr lang="es-CO" dirty="0"/>
+          </a:p>
+        </p:txBody>
+      </p:sp>
+      <p:pic>
+        <p:nvPicPr>
+          <p:cNvPr id="5" name="Imagen 4">
+            <a:extLst>
+              <a:ext uri="{FF2B5EF4-FFF2-40B4-BE49-F238E27FC236}">
+                <a16:creationId xmlns:a16="http://schemas.microsoft.com/office/drawing/2014/main" id="{D074E95F-DDFF-450D-B7DE-3F50535517CB}"/>
+              </a:ext>
+            </a:extLst>
+          </p:cNvPr>
+          <p:cNvPicPr>
+            <a:picLocks noChangeAspect="1"/>
+          </p:cNvPicPr>
+          <p:nvPr/>
+        </p:nvPicPr>
+        <p:blipFill>
+          <a:blip r:embed="rId2"/>
+          <a:stretch>
+            <a:fillRect/>
+          </a:stretch>
+        </p:blipFill>
+        <p:spPr>
+          <a:xfrm>
+            <a:off x="708919" y="2193802"/>
+            <a:ext cx="4914900" cy="2647950"/>
+          </a:xfrm>
+          <a:prstGeom prst="rect">
+            <a:avLst/>
+          </a:prstGeom>
+        </p:spPr>
+      </p:pic>
+      <p:pic>
+        <p:nvPicPr>
+          <p:cNvPr id="6" name="Imagen 5">
+            <a:extLst>
+              <a:ext uri="{FF2B5EF4-FFF2-40B4-BE49-F238E27FC236}">
+                <a16:creationId xmlns:a16="http://schemas.microsoft.com/office/drawing/2014/main" id="{6E7ABAA2-D746-4BD3-AD79-D10B5E74515B}"/>
+              </a:ext>
+            </a:extLst>
+          </p:cNvPr>
+          <p:cNvPicPr>
+            <a:picLocks noChangeAspect="1"/>
+          </p:cNvPicPr>
+          <p:nvPr/>
+        </p:nvPicPr>
+        <p:blipFill>
+          <a:blip r:embed="rId3"/>
+          <a:stretch>
+            <a:fillRect/>
+          </a:stretch>
+        </p:blipFill>
+        <p:spPr>
+          <a:xfrm>
+            <a:off x="5730216" y="1313895"/>
+            <a:ext cx="6130352" cy="4613866"/>
+          </a:xfrm>
+          <a:prstGeom prst="rect">
+            <a:avLst/>
+          </a:prstGeom>
+        </p:spPr>
+      </p:pic>
+    </p:spTree>
+    <p:extLst>
+      <p:ext uri="{BB962C8B-B14F-4D97-AF65-F5344CB8AC3E}">
+        <p14:creationId xmlns:p14="http://schemas.microsoft.com/office/powerpoint/2010/main" val="3841909132"/>
+      </p:ext>
+    </p:extLst>
+  </p:cSld>
+  <p:clrMapOvr>
+    <a:masterClrMapping/>
+  </p:clrMapOvr>
+</p:sld>
+</file>
+
+<file path=ppt/slides/slide9.xml><?xml version="1.0" encoding="utf-8"?>
+<p:sld xmlns:a="http://schemas.openxmlformats.org/drawingml/2006/main" xmlns:r="http://schemas.openxmlformats.org/officeDocument/2006/relationships" xmlns:p="http://schemas.openxmlformats.org/presentationml/2006/main">
+  <p:cSld>
+    <p:spTree>
+      <p:nvGrpSpPr>
+        <p:cNvPr id="1" name=""/>
+        <p:cNvGrpSpPr/>
+        <p:nvPr/>
+      </p:nvGrpSpPr>
+      <p:grpSpPr>
+        <a:xfrm>
+          <a:off x="0" y="0"/>
+          <a:ext cx="0" cy="0"/>
+          <a:chOff x="0" y="0"/>
+          <a:chExt cx="0" cy="0"/>
+        </a:xfrm>
+      </p:grpSpPr>
+      <p:sp>
+        <p:nvSpPr>
+          <p:cNvPr id="4" name="CuadroTexto 3">
+            <a:extLst>
+              <a:ext uri="{FF2B5EF4-FFF2-40B4-BE49-F238E27FC236}">
+                <a16:creationId xmlns:a16="http://schemas.microsoft.com/office/drawing/2014/main" id="{580BA52C-53A2-47B9-9267-712C667DE98A}"/>
+              </a:ext>
+            </a:extLst>
+          </p:cNvPr>
+          <p:cNvSpPr txBox="1"/>
+          <p:nvPr/>
+        </p:nvSpPr>
+        <p:spPr>
+          <a:xfrm>
+            <a:off x="355107" y="133165"/>
+            <a:ext cx="9268287" cy="1169551"/>
+          </a:xfrm>
+          <a:prstGeom prst="rect">
+            <a:avLst/>
+          </a:prstGeom>
+          <a:noFill/>
+        </p:spPr>
+        <p:txBody>
+          <a:bodyPr wrap="square" rtlCol="0">
+            <a:spAutoFit/>
+          </a:bodyPr>
+          <a:lstStyle/>
+          <a:p>
+            <a:r>
+              <a:rPr lang="es-CO" sz="3600" b="1" dirty="0"/>
+              <a:t>¿</a:t>
+            </a:r>
+            <a:r>
+              <a:rPr lang="es-CO" sz="3600" b="1" i="1" dirty="0"/>
+              <a:t>Features</a:t>
+            </a:r>
+            <a:r>
+              <a:rPr lang="es-CO" sz="3600" b="1" dirty="0"/>
+              <a:t> como idea de negocio?</a:t>
+            </a:r>
+            <a:br>
+              <a:rPr lang="es-CO" dirty="0"/>
+            </a:br>
+            <a:r>
+              <a:rPr lang="es-CO" sz="1600" dirty="0"/>
+              <a:t>Avances y alcance de la aplicación</a:t>
+            </a:r>
+          </a:p>
+          <a:p>
+            <a:endParaRPr lang="es-CO" dirty="0"/>
+          </a:p>
+        </p:txBody>
+      </p:sp>
+      <p:pic>
+        <p:nvPicPr>
+          <p:cNvPr id="1026" name="Picture 2" descr="Este 2020 los QR nos invaden | Nota de prensa en Hosteltur">
+            <a:extLst>
+              <a:ext uri="{FF2B5EF4-FFF2-40B4-BE49-F238E27FC236}">
+                <a16:creationId xmlns:a16="http://schemas.microsoft.com/office/drawing/2014/main" id="{BDAAFBEE-4BAB-4BC1-A089-405AF5F58C5E}"/>
+              </a:ext>
+            </a:extLst>
+          </p:cNvPr>
+          <p:cNvPicPr>
+            <a:picLocks noChangeAspect="1" noChangeArrowheads="1"/>
+          </p:cNvPicPr>
+          <p:nvPr/>
+        </p:nvPicPr>
+        <p:blipFill>
+          <a:blip r:embed="rId2">
+            <a:extLst>
+              <a:ext uri="{28A0092B-C50C-407E-A947-70E740481C1C}">
+                <a14:useLocalDpi xmlns:a14="http://schemas.microsoft.com/office/drawing/2010/main" val="0"/>
+              </a:ext>
+            </a:extLst>
+          </a:blip>
+          <a:srcRect/>
+          <a:stretch>
+            <a:fillRect/>
+          </a:stretch>
+        </p:blipFill>
+        <p:spPr bwMode="auto">
+          <a:xfrm>
+            <a:off x="1352736" y="2334456"/>
+            <a:ext cx="2486118" cy="2486118"/>
+          </a:xfrm>
+          <a:prstGeom prst="rect">
+            <a:avLst/>
+          </a:prstGeom>
+          <a:noFill/>
+          <a:extLst>
+            <a:ext uri="{909E8E84-426E-40DD-AFC4-6F175D3DCCD1}">
+              <a14:hiddenFill xmlns:a14="http://schemas.microsoft.com/office/drawing/2010/main">
+                <a:solidFill>
+                  <a:srgbClr val="FFFFFF"/>
+                </a:solidFill>
+              </a14:hiddenFill>
+            </a:ext>
+          </a:extLst>
+        </p:spPr>
+      </p:pic>
+      <p:pic>
+        <p:nvPicPr>
+          <p:cNvPr id="1028" name="Picture 4" descr="Consejos ecológicos para el día a día | Noti RSE">
+            <a:extLst>
+              <a:ext uri="{FF2B5EF4-FFF2-40B4-BE49-F238E27FC236}">
+                <a16:creationId xmlns:a16="http://schemas.microsoft.com/office/drawing/2014/main" id="{9794090F-D076-4D8D-9FB9-314C5F92D3F2}"/>
+              </a:ext>
+            </a:extLst>
+          </p:cNvPr>
+          <p:cNvPicPr>
+            <a:picLocks noChangeAspect="1" noChangeArrowheads="1"/>
+          </p:cNvPicPr>
+          <p:nvPr/>
+        </p:nvPicPr>
+        <p:blipFill>
+          <a:blip r:embed="rId3">
+            <a:extLst>
+              <a:ext uri="{28A0092B-C50C-407E-A947-70E740481C1C}">
+                <a14:useLocalDpi xmlns:a14="http://schemas.microsoft.com/office/drawing/2010/main" val="0"/>
+              </a:ext>
+            </a:extLst>
+          </a:blip>
+          <a:srcRect/>
+          <a:stretch>
+            <a:fillRect/>
+          </a:stretch>
+        </p:blipFill>
+        <p:spPr bwMode="auto">
+          <a:xfrm>
+            <a:off x="4727359" y="1302716"/>
+            <a:ext cx="6014622" cy="4510966"/>
+          </a:xfrm>
+          <a:prstGeom prst="rect">
+            <a:avLst/>
+          </a:prstGeom>
+          <a:noFill/>
+          <a:extLst>
+            <a:ext uri="{909E8E84-426E-40DD-AFC4-6F175D3DCCD1}">
+              <a14:hiddenFill xmlns:a14="http://schemas.microsoft.com/office/drawing/2010/main">
+                <a:solidFill>
+                  <a:srgbClr val="FFFFFF"/>
+                </a:solidFill>
+              </a14:hiddenFill>
+            </a:ext>
+          </a:extLst>
+        </p:spPr>
+      </p:pic>
+    </p:spTree>
+    <p:extLst>
+      <p:ext uri="{BB962C8B-B14F-4D97-AF65-F5344CB8AC3E}">
+        <p14:creationId xmlns:p14="http://schemas.microsoft.com/office/powerpoint/2010/main" val="4109876468"/>
+      </p:ext>
+    </p:extLst>
+  </p:cSld>
+  <p:clrMapOvr>
+    <a:masterClrMapping/>
+  </p:clrMapOvr>
+</p:sld>
+</file>
+
 <file path=ppt/theme/theme1.xml><?xml version="1.0" encoding="utf-8"?>
 <a:theme xmlns:a="http://schemas.openxmlformats.org/drawingml/2006/main" name="Tema de Office">
   <a:themeElements>

--- a/PresentacionSpeakly.pptx
+++ b/PresentacionSpeakly.pptx
@@ -14,6 +14,7 @@
     <p:sldId id="261" r:id="rId8"/>
     <p:sldId id="262" r:id="rId9"/>
     <p:sldId id="263" r:id="rId10"/>
+    <p:sldId id="265" r:id="rId11"/>
   </p:sldIdLst>
   <p:sldSz cx="12192000" cy="6858000"/>
   <p:notesSz cx="6858000" cy="9144000"/>
@@ -3494,6 +3495,220 @@
 </p:sld>
 </file>
 
+<file path=ppt/slides/slide10.xml><?xml version="1.0" encoding="utf-8"?>
+<p:sld xmlns:a="http://schemas.openxmlformats.org/drawingml/2006/main" xmlns:r="http://schemas.openxmlformats.org/officeDocument/2006/relationships" xmlns:p="http://schemas.openxmlformats.org/presentationml/2006/main">
+  <p:cSld>
+    <p:spTree>
+      <p:nvGrpSpPr>
+        <p:cNvPr id="1" name=""/>
+        <p:cNvGrpSpPr/>
+        <p:nvPr/>
+      </p:nvGrpSpPr>
+      <p:grpSpPr>
+        <a:xfrm>
+          <a:off x="0" y="0"/>
+          <a:ext cx="0" cy="0"/>
+          <a:chOff x="0" y="0"/>
+          <a:chExt cx="0" cy="0"/>
+        </a:xfrm>
+      </p:grpSpPr>
+      <p:sp>
+        <p:nvSpPr>
+          <p:cNvPr id="4" name="CuadroTexto 3">
+            <a:extLst>
+              <a:ext uri="{FF2B5EF4-FFF2-40B4-BE49-F238E27FC236}">
+                <a16:creationId xmlns:a16="http://schemas.microsoft.com/office/drawing/2014/main" id="{580BA52C-53A2-47B9-9267-712C667DE98A}"/>
+              </a:ext>
+            </a:extLst>
+          </p:cNvPr>
+          <p:cNvSpPr txBox="1"/>
+          <p:nvPr/>
+        </p:nvSpPr>
+        <p:spPr>
+          <a:xfrm>
+            <a:off x="355107" y="133165"/>
+            <a:ext cx="9268287" cy="1169551"/>
+          </a:xfrm>
+          <a:prstGeom prst="rect">
+            <a:avLst/>
+          </a:prstGeom>
+          <a:noFill/>
+        </p:spPr>
+        <p:txBody>
+          <a:bodyPr wrap="square" rtlCol="0">
+            <a:spAutoFit/>
+          </a:bodyPr>
+          <a:lstStyle/>
+          <a:p>
+            <a:r>
+              <a:rPr lang="es-CO" sz="3600" b="1" dirty="0"/>
+              <a:t>Costos y método de ventas</a:t>
+            </a:r>
+            <a:br>
+              <a:rPr lang="es-CO" dirty="0"/>
+            </a:br>
+            <a:r>
+              <a:rPr lang="es-CO" sz="1600" dirty="0"/>
+              <a:t>Modelo de comercialización SaaS</a:t>
+            </a:r>
+          </a:p>
+          <a:p>
+            <a:endParaRPr lang="es-CO" dirty="0"/>
+          </a:p>
+        </p:txBody>
+      </p:sp>
+      <p:pic>
+        <p:nvPicPr>
+          <p:cNvPr id="2" name="Picture 2" descr="Google Launches New Text-to-Speech Cloud Service - Voicebot.ai">
+            <a:extLst>
+              <a:ext uri="{FF2B5EF4-FFF2-40B4-BE49-F238E27FC236}">
+                <a16:creationId xmlns:a16="http://schemas.microsoft.com/office/drawing/2014/main" id="{ED28E12F-4141-41A4-A333-D5B05D32840F}"/>
+              </a:ext>
+            </a:extLst>
+          </p:cNvPr>
+          <p:cNvPicPr>
+            <a:picLocks noChangeAspect="1" noChangeArrowheads="1"/>
+          </p:cNvPicPr>
+          <p:nvPr/>
+        </p:nvPicPr>
+        <p:blipFill>
+          <a:blip r:embed="rId2">
+            <a:extLst>
+              <a:ext uri="{28A0092B-C50C-407E-A947-70E740481C1C}">
+                <a14:useLocalDpi xmlns:a14="http://schemas.microsoft.com/office/drawing/2010/main" val="0"/>
+              </a:ext>
+            </a:extLst>
+          </a:blip>
+          <a:srcRect/>
+          <a:stretch>
+            <a:fillRect/>
+          </a:stretch>
+        </p:blipFill>
+        <p:spPr bwMode="auto">
+          <a:xfrm>
+            <a:off x="505112" y="1584456"/>
+            <a:ext cx="6769959" cy="3960425"/>
+          </a:xfrm>
+          <a:prstGeom prst="rect">
+            <a:avLst/>
+          </a:prstGeom>
+          <a:noFill/>
+          <a:extLst>
+            <a:ext uri="{909E8E84-426E-40DD-AFC4-6F175D3DCCD1}">
+              <a14:hiddenFill xmlns:a14="http://schemas.microsoft.com/office/drawing/2010/main">
+                <a:solidFill>
+                  <a:srgbClr val="FFFFFF"/>
+                </a:solidFill>
+              </a14:hiddenFill>
+            </a:ext>
+          </a:extLst>
+        </p:spPr>
+      </p:pic>
+      <p:pic>
+        <p:nvPicPr>
+          <p:cNvPr id="1030" name="Picture 6" descr="Qué es un Hosting y qué tipos de alojamientos web existen?">
+            <a:extLst>
+              <a:ext uri="{FF2B5EF4-FFF2-40B4-BE49-F238E27FC236}">
+                <a16:creationId xmlns:a16="http://schemas.microsoft.com/office/drawing/2014/main" id="{89B48BCC-E337-45D0-BA9D-6033ED17AA41}"/>
+              </a:ext>
+            </a:extLst>
+          </p:cNvPr>
+          <p:cNvPicPr>
+            <a:picLocks noChangeAspect="1" noChangeArrowheads="1"/>
+          </p:cNvPicPr>
+          <p:nvPr/>
+        </p:nvPicPr>
+        <p:blipFill rotWithShape="1">
+          <a:blip r:embed="rId3">
+            <a:extLst>
+              <a:ext uri="{28A0092B-C50C-407E-A947-70E740481C1C}">
+                <a14:useLocalDpi xmlns:a14="http://schemas.microsoft.com/office/drawing/2010/main" val="0"/>
+              </a:ext>
+            </a:extLst>
+          </a:blip>
+          <a:srcRect l="25670" t="6400" r="28125" b="6282"/>
+          <a:stretch/>
+        </p:blipFill>
+        <p:spPr bwMode="auto">
+          <a:xfrm>
+            <a:off x="7744433" y="3700337"/>
+            <a:ext cx="3097740" cy="2927028"/>
+          </a:xfrm>
+          <a:prstGeom prst="rect">
+            <a:avLst/>
+          </a:prstGeom>
+          <a:noFill/>
+          <a:extLst>
+            <a:ext uri="{909E8E84-426E-40DD-AFC4-6F175D3DCCD1}">
+              <a14:hiddenFill xmlns:a14="http://schemas.microsoft.com/office/drawing/2010/main">
+                <a:solidFill>
+                  <a:srgbClr val="FFFFFF"/>
+                </a:solidFill>
+              </a14:hiddenFill>
+            </a:ext>
+          </a:extLst>
+        </p:spPr>
+      </p:pic>
+      <p:pic>
+        <p:nvPicPr>
+          <p:cNvPr id="1032" name="Picture 8" descr="How to build a real-time chatroom with Firebase and React (Hooks)">
+            <a:extLst>
+              <a:ext uri="{FF2B5EF4-FFF2-40B4-BE49-F238E27FC236}">
+                <a16:creationId xmlns:a16="http://schemas.microsoft.com/office/drawing/2014/main" id="{D038D39E-8727-49CF-8458-DE2B01B205E1}"/>
+              </a:ext>
+            </a:extLst>
+          </p:cNvPr>
+          <p:cNvPicPr>
+            <a:picLocks noChangeAspect="1" noChangeArrowheads="1"/>
+          </p:cNvPicPr>
+          <p:nvPr/>
+        </p:nvPicPr>
+        <p:blipFill>
+          <a:blip r:embed="rId4">
+            <a:extLst>
+              <a:ext uri="{28A0092B-C50C-407E-A947-70E740481C1C}">
+                <a14:useLocalDpi xmlns:a14="http://schemas.microsoft.com/office/drawing/2010/main" val="0"/>
+              </a:ext>
+            </a:extLst>
+          </a:blip>
+          <a:srcRect/>
+          <a:stretch>
+            <a:fillRect/>
+          </a:stretch>
+        </p:blipFill>
+        <p:spPr bwMode="auto">
+          <a:xfrm>
+            <a:off x="7175242" y="580830"/>
+            <a:ext cx="3797559" cy="2848170"/>
+          </a:xfrm>
+          <a:prstGeom prst="rect">
+            <a:avLst/>
+          </a:prstGeom>
+          <a:noFill/>
+          <a:extLst>
+            <a:ext uri="{909E8E84-426E-40DD-AFC4-6F175D3DCCD1}">
+              <a14:hiddenFill xmlns:a14="http://schemas.microsoft.com/office/drawing/2010/main">
+                <a:solidFill>
+                  <a:srgbClr val="FFFFFF"/>
+                </a:solidFill>
+              </a14:hiddenFill>
+            </a:ext>
+          </a:extLst>
+        </p:spPr>
+      </p:pic>
+    </p:spTree>
+    <p:extLst>
+      <p:ext uri="{BB962C8B-B14F-4D97-AF65-F5344CB8AC3E}">
+        <p14:creationId xmlns:p14="http://schemas.microsoft.com/office/powerpoint/2010/main" val="2544860310"/>
+      </p:ext>
+    </p:extLst>
+  </p:cSld>
+  <p:clrMapOvr>
+    <a:masterClrMapping/>
+  </p:clrMapOvr>
+</p:sld>
+</file>
+
 <file path=ppt/slides/slide2.xml><?xml version="1.0" encoding="utf-8"?>
 <p:sld xmlns:a="http://schemas.openxmlformats.org/drawingml/2006/main" xmlns:r="http://schemas.openxmlformats.org/officeDocument/2006/relationships" xmlns:p="http://schemas.openxmlformats.org/presentationml/2006/main">
   <p:cSld>
